--- a/Battleship.pptx
+++ b/Battleship.pptx
@@ -550,7 +550,15 @@
             </a:pPr>
             <a:r>
               <a:rPr lang="en-IN" sz="1200" dirty="0" smtClean="0"/>
-              <a:t>I studied 10 thousand simulations of random games, and the smallest number of moves I encountered was 44 shots.</a:t>
+              <a:t>I studied </a:t>
+            </a:r>
+            <a:r>
+              <a:rPr lang="en-IN" sz="1200" dirty="0" smtClean="0"/>
+              <a:t>100 </a:t>
+            </a:r>
+            <a:r>
+              <a:rPr lang="en-IN" sz="1200" dirty="0" smtClean="0"/>
+              <a:t>thousand simulations of random games, and the smallest number of moves I encountered was 44 shots.</a:t>
             </a:r>
             <a:endParaRPr lang="en-IN" dirty="0" smtClean="0"/>
           </a:p>
@@ -606,6 +614,90 @@
 </file>
 
 <file path=ppt/notesSlides/notesSlide2.xml><?xml version="1.0" encoding="utf-8"?>
+<p:notes xmlns:a="http://schemas.openxmlformats.org/drawingml/2006/main" xmlns:r="http://schemas.openxmlformats.org/officeDocument/2006/relationships" xmlns:p="http://schemas.openxmlformats.org/presentationml/2006/main">
+  <p:cSld>
+    <p:spTree>
+      <p:nvGrpSpPr>
+        <p:cNvPr id="1" name=""/>
+        <p:cNvGrpSpPr/>
+        <p:nvPr/>
+      </p:nvGrpSpPr>
+      <p:grpSpPr>
+        <a:xfrm>
+          <a:off x="0" y="0"/>
+          <a:ext cx="0" cy="0"/>
+          <a:chOff x="0" y="0"/>
+          <a:chExt cx="0" cy="0"/>
+        </a:xfrm>
+      </p:grpSpPr>
+      <p:sp>
+        <p:nvSpPr>
+          <p:cNvPr id="2" name="Slide Image Placeholder 1"/>
+          <p:cNvSpPr>
+            <a:spLocks noGrp="1" noRot="1" noChangeAspect="1"/>
+          </p:cNvSpPr>
+          <p:nvPr>
+            <p:ph type="sldImg"/>
+          </p:nvPr>
+        </p:nvSpPr>
+        <p:spPr/>
+      </p:sp>
+      <p:sp>
+        <p:nvSpPr>
+          <p:cNvPr id="3" name="Notes Placeholder 2"/>
+          <p:cNvSpPr>
+            <a:spLocks noGrp="1"/>
+          </p:cNvSpPr>
+          <p:nvPr>
+            <p:ph type="body" idx="1"/>
+          </p:nvPr>
+        </p:nvSpPr>
+        <p:spPr/>
+        <p:txBody>
+          <a:bodyPr/>
+          <a:lstStyle/>
+          <a:p>
+            <a:endParaRPr lang="en-IN" dirty="0"/>
+          </a:p>
+        </p:txBody>
+      </p:sp>
+      <p:sp>
+        <p:nvSpPr>
+          <p:cNvPr id="4" name="Slide Number Placeholder 3"/>
+          <p:cNvSpPr>
+            <a:spLocks noGrp="1"/>
+          </p:cNvSpPr>
+          <p:nvPr>
+            <p:ph type="sldNum" sz="quarter" idx="10"/>
+          </p:nvPr>
+        </p:nvSpPr>
+        <p:spPr/>
+        <p:txBody>
+          <a:bodyPr/>
+          <a:lstStyle/>
+          <a:p>
+            <a:fld id="{882B27EE-B910-4F30-B98C-4D1B6B6AB3BA}" type="slidenum">
+              <a:rPr lang="en-IN" smtClean="0"/>
+              <a:t>8</a:t>
+            </a:fld>
+            <a:endParaRPr lang="en-IN"/>
+          </a:p>
+        </p:txBody>
+      </p:sp>
+    </p:spTree>
+    <p:extLst>
+      <p:ext uri="{BB962C8B-B14F-4D97-AF65-F5344CB8AC3E}">
+        <p14:creationId xmlns:p14="http://schemas.microsoft.com/office/powerpoint/2010/main" val="3595942980"/>
+      </p:ext>
+    </p:extLst>
+  </p:cSld>
+  <p:clrMapOvr>
+    <a:masterClrMapping/>
+  </p:clrMapOvr>
+</p:notes>
+</file>
+
+<file path=ppt/notesSlides/notesSlide3.xml><?xml version="1.0" encoding="utf-8"?>
 <p:notes xmlns:a="http://schemas.openxmlformats.org/drawingml/2006/main" xmlns:r="http://schemas.openxmlformats.org/officeDocument/2006/relationships" xmlns:p="http://schemas.openxmlformats.org/presentationml/2006/main">
   <p:cSld>
     <p:spTree>
@@ -705,7 +797,7 @@
 </p:notes>
 </file>
 
-<file path=ppt/notesSlides/notesSlide3.xml><?xml version="1.0" encoding="utf-8"?>
+<file path=ppt/notesSlides/notesSlide4.xml><?xml version="1.0" encoding="utf-8"?>
 <p:notes xmlns:a="http://schemas.openxmlformats.org/drawingml/2006/main" xmlns:r="http://schemas.openxmlformats.org/officeDocument/2006/relationships" xmlns:p="http://schemas.openxmlformats.org/presentationml/2006/main">
   <p:cSld>
     <p:spTree>
@@ -803,7 +895,7 @@
 </p:notes>
 </file>
 
-<file path=ppt/notesSlides/notesSlide4.xml><?xml version="1.0" encoding="utf-8"?>
+<file path=ppt/notesSlides/notesSlide5.xml><?xml version="1.0" encoding="utf-8"?>
 <p:notes xmlns:a="http://schemas.openxmlformats.org/drawingml/2006/main" xmlns:r="http://schemas.openxmlformats.org/officeDocument/2006/relationships" xmlns:p="http://schemas.openxmlformats.org/presentationml/2006/main">
   <p:cSld>
     <p:spTree>
@@ -891,7 +983,7 @@
 </p:notes>
 </file>
 
-<file path=ppt/notesSlides/notesSlide5.xml><?xml version="1.0" encoding="utf-8"?>
+<file path=ppt/notesSlides/notesSlide6.xml><?xml version="1.0" encoding="utf-8"?>
 <p:notes xmlns:a="http://schemas.openxmlformats.org/drawingml/2006/main" xmlns:r="http://schemas.openxmlformats.org/officeDocument/2006/relationships" xmlns:p="http://schemas.openxmlformats.org/presentationml/2006/main">
   <p:cSld>
     <p:spTree>
@@ -1011,7 +1103,7 @@
 </p:notes>
 </file>
 
-<file path=ppt/notesSlides/notesSlide6.xml><?xml version="1.0" encoding="utf-8"?>
+<file path=ppt/notesSlides/notesSlide7.xml><?xml version="1.0" encoding="utf-8"?>
 <p:notes xmlns:a="http://schemas.openxmlformats.org/drawingml/2006/main" xmlns:r="http://schemas.openxmlformats.org/officeDocument/2006/relationships" xmlns:p="http://schemas.openxmlformats.org/presentationml/2006/main">
   <p:cSld>
     <p:spTree>
@@ -1135,7 +1227,7 @@
 </p:notes>
 </file>
 
-<file path=ppt/notesSlides/notesSlide7.xml><?xml version="1.0" encoding="utf-8"?>
+<file path=ppt/notesSlides/notesSlide8.xml><?xml version="1.0" encoding="utf-8"?>
 <p:notes xmlns:a="http://schemas.openxmlformats.org/drawingml/2006/main" xmlns:r="http://schemas.openxmlformats.org/officeDocument/2006/relationships" xmlns:p="http://schemas.openxmlformats.org/presentationml/2006/main">
   <p:cSld>
     <p:spTree>
@@ -1219,7 +1311,7 @@
 </p:notes>
 </file>
 
-<file path=ppt/notesSlides/notesSlide8.xml><?xml version="1.0" encoding="utf-8"?>
+<file path=ppt/notesSlides/notesSlide9.xml><?xml version="1.0" encoding="utf-8"?>
 <p:notes xmlns:a="http://schemas.openxmlformats.org/drawingml/2006/main" xmlns:r="http://schemas.openxmlformats.org/officeDocument/2006/relationships" xmlns:p="http://schemas.openxmlformats.org/presentationml/2006/main">
   <p:cSld>
     <p:spTree>
@@ -5473,13 +5565,8 @@
             </a:r>
             <a:r>
               <a:rPr lang="en-IN" sz="2800" dirty="0" smtClean="0"/>
-              <a:t>parity</a:t>
+              <a:t>parity.</a:t>
             </a:r>
-            <a:r>
-              <a:rPr lang="en-IN" sz="2800" dirty="0" smtClean="0"/>
-              <a:t>.</a:t>
-            </a:r>
-            <a:endParaRPr lang="en-IN" sz="2800" dirty="0" smtClean="0"/>
           </a:p>
           <a:p>
             <a:r>
@@ -5508,13 +5595,8 @@
             </a:r>
             <a:r>
               <a:rPr lang="en-IN" sz="2800" dirty="0" smtClean="0"/>
-              <a:t>board</a:t>
+              <a:t>board.</a:t>
             </a:r>
-            <a:r>
-              <a:rPr lang="en-IN" sz="2800" dirty="0" smtClean="0"/>
-              <a:t>.</a:t>
-            </a:r>
-            <a:endParaRPr lang="en-IN" sz="2800" dirty="0" smtClean="0"/>
           </a:p>
           <a:p>
             <a:r>
@@ -5535,13 +5617,8 @@
             </a:r>
             <a:r>
               <a:rPr lang="en-IN" sz="2800" dirty="0" smtClean="0"/>
-              <a:t>even/odd parity</a:t>
+              <a:t>even/odd parity.</a:t>
             </a:r>
-            <a:r>
-              <a:rPr lang="en-IN" sz="2800" dirty="0" smtClean="0"/>
-              <a:t>.</a:t>
-            </a:r>
-            <a:endParaRPr lang="en-IN" sz="2800" dirty="0" smtClean="0"/>
           </a:p>
           <a:p>
             <a:r>
@@ -5556,7 +5633,6 @@
               <a:rPr lang="en-IN" sz="2800" dirty="0" smtClean="0"/>
               <a:t>that parity.</a:t>
             </a:r>
-            <a:endParaRPr lang="en-IN" sz="2800" dirty="0" smtClean="0"/>
           </a:p>
         </p:txBody>
       </p:sp>
@@ -5839,7 +5915,23 @@
           <a:p>
             <a:r>
               <a:rPr lang="en-IN" sz="2800" dirty="0"/>
-              <a:t>Our new algorithm will calculate the most probably location to fire at </a:t>
+              <a:t>Our new algorithm will </a:t>
+            </a:r>
+            <a:r>
+              <a:rPr lang="en-IN" sz="2800" dirty="0" smtClean="0"/>
+              <a:t>need to hit the </a:t>
+            </a:r>
+            <a:r>
+              <a:rPr lang="en-IN" sz="2800" dirty="0"/>
+              <a:t>most </a:t>
+            </a:r>
+            <a:r>
+              <a:rPr lang="en-IN" sz="2800" dirty="0" smtClean="0"/>
+              <a:t>probable </a:t>
+            </a:r>
+            <a:r>
+              <a:rPr lang="en-IN" sz="2800" dirty="0"/>
+              <a:t>location to fire at </a:t>
             </a:r>
             <a:r>
               <a:rPr lang="en-IN" sz="2800" dirty="0" smtClean="0"/>
@@ -5853,7 +5945,6 @@
               <a:rPr lang="en-IN" sz="2800" dirty="0" smtClean="0"/>
               <a:t>on positions already revealed.</a:t>
             </a:r>
-            <a:endParaRPr lang="en-IN" sz="2800" dirty="0" smtClean="0"/>
           </a:p>
           <a:p>
             <a:r>
@@ -5864,12 +5955,19 @@
               <a:rPr lang="en-IN" sz="2800" dirty="0" smtClean="0"/>
               <a:t>.</a:t>
             </a:r>
-            <a:endParaRPr lang="en-IN" sz="2800" dirty="0" smtClean="0"/>
           </a:p>
           <a:p>
             <a:r>
               <a:rPr lang="en-IN" sz="2800" dirty="0"/>
-              <a:t>Initially, this will be pretty much anywhere, but as more and more shots are fired, some locations become less likely, and some impossible.</a:t>
+              <a:t>Initially, </a:t>
+            </a:r>
+            <a:r>
+              <a:rPr lang="en-IN" sz="2800" dirty="0" smtClean="0"/>
+              <a:t>the shots </a:t>
+            </a:r>
+            <a:r>
+              <a:rPr lang="en-IN" sz="2800" dirty="0"/>
+              <a:t>will be pretty much anywhere, but as more and more shots are fired, some locations become less likely, and some impossible.</a:t>
             </a:r>
             <a:endParaRPr lang="en-IN" sz="2800" dirty="0" smtClean="0"/>
           </a:p>
@@ -6162,7 +6260,6 @@
               <a:rPr lang="en-IN" sz="2800" dirty="0" smtClean="0"/>
               <a:t>.</a:t>
             </a:r>
-            <a:endParaRPr lang="en-IN" sz="2800" dirty="0" smtClean="0"/>
           </a:p>
           <a:p>
             <a:pPr>
@@ -26326,7 +26423,6 @@
               <a:rPr lang="en-IN" sz="2800" dirty="0" smtClean="0"/>
               <a:t>Wikipedia</a:t>
             </a:r>
-            <a:endParaRPr lang="en-IN" sz="2800" dirty="0" smtClean="0"/>
           </a:p>
           <a:p>
             <a:pPr>
@@ -26538,11 +26634,7 @@
           <a:p>
             <a:r>
               <a:rPr lang="en-IN" sz="2800" dirty="0" smtClean="0"/>
-              <a:t>Position of ships is </a:t>
-            </a:r>
-            <a:r>
-              <a:rPr lang="en-IN" sz="2800" dirty="0" smtClean="0"/>
-              <a:t>constant</a:t>
+              <a:t>Position of ships is constant</a:t>
             </a:r>
           </a:p>
           <a:p>
@@ -27086,13 +27178,8 @@
             </a:r>
             <a:r>
               <a:rPr lang="en-IN" sz="2800" dirty="0" smtClean="0"/>
-              <a:t>hit (Hunt Mode)</a:t>
+              <a:t>hit (Hunt Mode).</a:t>
             </a:r>
-            <a:r>
-              <a:rPr lang="en-IN" sz="2800" dirty="0" smtClean="0"/>
-              <a:t>.</a:t>
-            </a:r>
-            <a:endParaRPr lang="en-IN" sz="2800" dirty="0" smtClean="0"/>
           </a:p>
           <a:p>
             <a:r>
@@ -27133,20 +27220,14 @@
             </a:r>
             <a:r>
               <a:rPr lang="en-IN" sz="2800" dirty="0" smtClean="0"/>
-              <a:t>ship (Target Mode)</a:t>
+              <a:t>ship (Target Mode).</a:t>
             </a:r>
-            <a:r>
-              <a:rPr lang="en-IN" sz="2800" dirty="0" smtClean="0"/>
-              <a:t>.</a:t>
-            </a:r>
-            <a:endParaRPr lang="en-IN" sz="2800" dirty="0" smtClean="0"/>
           </a:p>
           <a:p>
             <a:r>
               <a:rPr lang="en-IN" sz="2800" dirty="0" smtClean="0"/>
               <a:t>After sinking a ship in target mode it reverts back to hunt mode looking for the next ship.</a:t>
             </a:r>
-            <a:endParaRPr lang="en-IN" sz="2800" dirty="0" smtClean="0"/>
           </a:p>
           <a:p>
             <a:r>
